--- a/ppts/Topic 4 Normal linear regression.pptx
+++ b/ppts/Topic 4 Normal linear regression.pptx
@@ -327,7 +327,7 @@
           <a:p>
             <a:fld id="{F3A5C36C-4AD1-4368-83A4-9559EE6EF9BD}" type="datetimeFigureOut">
               <a:rPr lang="en-CA" smtClean="0"/>
-              <a:t>2018-02-21</a:t>
+              <a:t>2018-02-22</a:t>
             </a:fld>
             <a:endParaRPr lang="en-CA"/>
           </a:p>
@@ -513,7 +513,7 @@
           <a:p>
             <a:fld id="{F3A5C36C-4AD1-4368-83A4-9559EE6EF9BD}" type="datetimeFigureOut">
               <a:rPr lang="en-CA" smtClean="0"/>
-              <a:t>2018-02-21</a:t>
+              <a:t>2018-02-22</a:t>
             </a:fld>
             <a:endParaRPr lang="en-CA"/>
           </a:p>
@@ -705,7 +705,7 @@
           <a:p>
             <a:fld id="{F3A5C36C-4AD1-4368-83A4-9559EE6EF9BD}" type="datetimeFigureOut">
               <a:rPr lang="en-CA" smtClean="0"/>
-              <a:t>2018-02-21</a:t>
+              <a:t>2018-02-22</a:t>
             </a:fld>
             <a:endParaRPr lang="en-CA"/>
           </a:p>
@@ -887,7 +887,7 @@
           <a:p>
             <a:fld id="{F3A5C36C-4AD1-4368-83A4-9559EE6EF9BD}" type="datetimeFigureOut">
               <a:rPr lang="en-CA" smtClean="0"/>
-              <a:t>2018-02-21</a:t>
+              <a:t>2018-02-22</a:t>
             </a:fld>
             <a:endParaRPr lang="en-CA"/>
           </a:p>
@@ -1153,7 +1153,7 @@
           <a:p>
             <a:fld id="{F3A5C36C-4AD1-4368-83A4-9559EE6EF9BD}" type="datetimeFigureOut">
               <a:rPr lang="en-CA" smtClean="0"/>
-              <a:t>2018-02-21</a:t>
+              <a:t>2018-02-22</a:t>
             </a:fld>
             <a:endParaRPr lang="en-CA"/>
           </a:p>
@@ -1438,7 +1438,7 @@
           <a:p>
             <a:fld id="{F3A5C36C-4AD1-4368-83A4-9559EE6EF9BD}" type="datetimeFigureOut">
               <a:rPr lang="en-CA" smtClean="0"/>
-              <a:t>2018-02-21</a:t>
+              <a:t>2018-02-22</a:t>
             </a:fld>
             <a:endParaRPr lang="en-CA"/>
           </a:p>
@@ -1833,7 +1833,7 @@
           <a:p>
             <a:fld id="{F3A5C36C-4AD1-4368-83A4-9559EE6EF9BD}" type="datetimeFigureOut">
               <a:rPr lang="en-CA" smtClean="0"/>
-              <a:t>2018-02-21</a:t>
+              <a:t>2018-02-22</a:t>
             </a:fld>
             <a:endParaRPr lang="en-CA"/>
           </a:p>
@@ -2000,7 +2000,7 @@
           <a:p>
             <a:fld id="{F3A5C36C-4AD1-4368-83A4-9559EE6EF9BD}" type="datetimeFigureOut">
               <a:rPr lang="en-CA" smtClean="0"/>
-              <a:t>2018-02-21</a:t>
+              <a:t>2018-02-22</a:t>
             </a:fld>
             <a:endParaRPr lang="en-CA"/>
           </a:p>
@@ -2107,7 +2107,7 @@
           <a:p>
             <a:fld id="{F3A5C36C-4AD1-4368-83A4-9559EE6EF9BD}" type="datetimeFigureOut">
               <a:rPr lang="en-CA" smtClean="0"/>
-              <a:t>2018-02-21</a:t>
+              <a:t>2018-02-22</a:t>
             </a:fld>
             <a:endParaRPr lang="en-CA"/>
           </a:p>
@@ -2385,7 +2385,7 @@
           <a:p>
             <a:fld id="{F3A5C36C-4AD1-4368-83A4-9559EE6EF9BD}" type="datetimeFigureOut">
               <a:rPr lang="en-CA" smtClean="0"/>
-              <a:t>2018-02-21</a:t>
+              <a:t>2018-02-22</a:t>
             </a:fld>
             <a:endParaRPr lang="en-CA"/>
           </a:p>
@@ -2995,7 +2995,7 @@
           <a:p>
             <a:fld id="{F3A5C36C-4AD1-4368-83A4-9559EE6EF9BD}" type="datetimeFigureOut">
               <a:rPr lang="en-CA" smtClean="0"/>
-              <a:t>2018-02-21</a:t>
+              <a:t>2018-02-22</a:t>
             </a:fld>
             <a:endParaRPr lang="en-CA"/>
           </a:p>
@@ -3531,7 +3531,7 @@
           <a:p>
             <a:fld id="{F3A5C36C-4AD1-4368-83A4-9559EE6EF9BD}" type="datetimeFigureOut">
               <a:rPr lang="en-CA" smtClean="0"/>
-              <a:t>2018-02-21</a:t>
+              <a:t>2018-02-22</a:t>
             </a:fld>
             <a:endParaRPr lang="en-CA"/>
           </a:p>
@@ -4357,6 +4357,13 @@
   <p:clrMapOvr>
     <a:masterClrMapping/>
   </p:clrMapOvr>
+  <p:timing>
+    <p:tnLst>
+      <p:par>
+        <p:cTn id="1" dur="indefinite" restart="never" nodeType="tmRoot"/>
+      </p:par>
+    </p:tnLst>
+  </p:timing>
 </p:sld>
 </file>
 
@@ -5612,11 +5619,7 @@
             </a:r>
             <a:r>
               <a:rPr lang="de-AT" sz="2400" dirty="0" smtClean="0"/>
-              <a:t> large, e.g. </a:t>
-            </a:r>
-            <a:r>
-              <a:rPr lang="de-AT" sz="2400" dirty="0" smtClean="0"/>
-              <a:t>r &gt; 0.6 </a:t>
+              <a:t> large, e.g. r &gt; 0.6 </a:t>
             </a:r>
             <a:r>
               <a:rPr lang="de-AT" sz="2400" dirty="0" err="1" smtClean="0"/>
@@ -5624,13 +5627,8 @@
             </a:r>
             <a:r>
               <a:rPr lang="de-AT" sz="2400" dirty="0" smtClean="0"/>
-              <a:t> </a:t>
-            </a:r>
-            <a:r>
-              <a:rPr lang="de-AT" sz="2400" dirty="0" smtClean="0"/>
-              <a:t>0.8?</a:t>
-            </a:r>
-            <a:endParaRPr lang="de-AT" sz="2400" dirty="0" smtClean="0"/>
+              <a:t> 0.8?</a:t>
+            </a:r>
           </a:p>
           <a:p>
             <a:endParaRPr lang="de-AT" sz="2400" dirty="0"/>
@@ -6773,30 +6771,6 @@
           </a:p>
         </p:txBody>
       </p:sp>
-      <p:pic>
-        <p:nvPicPr>
-          <p:cNvPr id="6" name="Picture 5"/>
-          <p:cNvPicPr>
-            <a:picLocks noChangeAspect="1"/>
-          </p:cNvPicPr>
-          <p:nvPr/>
-        </p:nvPicPr>
-        <p:blipFill>
-          <a:blip r:embed="rId2"/>
-          <a:stretch>
-            <a:fillRect/>
-          </a:stretch>
-        </p:blipFill>
-        <p:spPr>
-          <a:xfrm>
-            <a:off x="893254" y="1484784"/>
-            <a:ext cx="7357491" cy="4408389"/>
-          </a:xfrm>
-          <a:prstGeom prst="rect">
-            <a:avLst/>
-          </a:prstGeom>
-        </p:spPr>
-      </p:pic>
       <p:sp>
         <p:nvSpPr>
           <p:cNvPr id="7" name="TextBox 6"/>
@@ -6805,8 +6779,8 @@
         </p:nvSpPr>
         <p:spPr>
           <a:xfrm>
-            <a:off x="179512" y="6093296"/>
-            <a:ext cx="8507288" cy="646331"/>
+            <a:off x="318356" y="6165304"/>
+            <a:ext cx="8507288" cy="369332"/>
           </a:xfrm>
           <a:prstGeom prst="rect">
             <a:avLst/>
@@ -6905,27 +6879,43 @@
             </a:r>
             <a:r>
               <a:rPr lang="de-AT" dirty="0" err="1" smtClean="0"/>
-              <a:t>speed.c</a:t>
+              <a:t>speed</a:t>
             </a:r>
             <a:r>
               <a:rPr lang="de-AT" dirty="0" smtClean="0"/>
               <a:t>“</a:t>
             </a:r>
-            <a:br>
-              <a:rPr lang="de-AT" dirty="0" smtClean="0"/>
-            </a:br>
-            <a:r>
-              <a:rPr lang="de-AT" dirty="0" err="1" smtClean="0"/>
-              <a:t>from</a:t>
-            </a:r>
             <a:r>
               <a:rPr lang="de-AT" dirty="0"/>
-              <a:t>: https://feliperego.github.io/blog/2015/10/23/Interpreting-Model-Output-In-R</a:t>
+              <a:t>?</a:t>
             </a:r>
             <a:endParaRPr lang="en-GB" dirty="0"/>
           </a:p>
         </p:txBody>
       </p:sp>
+      <p:pic>
+        <p:nvPicPr>
+          <p:cNvPr id="3" name="Picture 2"/>
+          <p:cNvPicPr>
+            <a:picLocks noChangeAspect="1"/>
+          </p:cNvPicPr>
+          <p:nvPr/>
+        </p:nvPicPr>
+        <p:blipFill rotWithShape="1">
+          <a:blip r:embed="rId2"/>
+          <a:srcRect t="6652"/>
+          <a:stretch/>
+        </p:blipFill>
+        <p:spPr>
+          <a:xfrm>
+            <a:off x="755576" y="1340768"/>
+            <a:ext cx="7488832" cy="4503262"/>
+          </a:xfrm>
+          <a:prstGeom prst="rect">
+            <a:avLst/>
+          </a:prstGeom>
+        </p:spPr>
+      </p:pic>
     </p:spTree>
     <p:extLst>
       <p:ext uri="{BB962C8B-B14F-4D97-AF65-F5344CB8AC3E}">
@@ -7095,7 +7085,7 @@
       </p:sp>
       <p:pic>
         <p:nvPicPr>
-          <p:cNvPr id="6" name="Picture 5"/>
+          <p:cNvPr id="7" name="Picture 6"/>
           <p:cNvPicPr>
             <a:picLocks noChangeAspect="1"/>
           </p:cNvPicPr>
@@ -7103,13 +7093,13 @@
         </p:nvPicPr>
         <p:blipFill rotWithShape="1">
           <a:blip r:embed="rId2"/>
-          <a:srcRect b="77132"/>
+          <a:srcRect t="6652" b="72497"/>
           <a:stretch/>
         </p:blipFill>
         <p:spPr>
           <a:xfrm>
-            <a:off x="893254" y="1484785"/>
-            <a:ext cx="7357491" cy="1008112"/>
+            <a:off x="827584" y="1487031"/>
+            <a:ext cx="7488832" cy="1005866"/>
           </a:xfrm>
           <a:prstGeom prst="rect">
             <a:avLst/>
@@ -7368,8 +7358,8 @@
           </a:p>
         </p:txBody>
       </p:sp>
-      <mc:AlternateContent xmlns:mc="http://schemas.openxmlformats.org/markup-compatibility/2006" xmlns:a14="http://schemas.microsoft.com/office/drawing/2010/main">
-        <mc:Choice Requires="a14">
+      <mc:AlternateContent xmlns:mc="http://schemas.openxmlformats.org/markup-compatibility/2006">
+        <mc:Choice xmlns:a14="http://schemas.microsoft.com/office/drawing/2010/main" Requires="a14">
           <p:sp>
             <p:nvSpPr>
               <p:cNvPr id="4" name="Content Placeholder 2"/>
@@ -7382,13 +7372,13 @@
             </p:nvSpPr>
             <p:spPr>
               <a:xfrm>
-                <a:off x="457200" y="3064097"/>
-                <a:ext cx="8229600" cy="3062065"/>
+                <a:off x="457200" y="2852936"/>
+                <a:ext cx="8229600" cy="3744416"/>
               </a:xfrm>
             </p:spPr>
             <p:txBody>
               <a:bodyPr>
-                <a:normAutofit fontScale="85000" lnSpcReduction="10000"/>
+                <a:noAutofit/>
               </a:bodyPr>
               <a:lstStyle/>
               <a:p>
@@ -7397,7 +7387,7 @@
                     <m:sSub>
                       <m:sSubPr>
                         <m:ctrlPr>
-                          <a:rPr lang="en-CA" sz="2600" b="1" i="1" smtClean="0">
+                          <a:rPr lang="en-CA" sz="2000" b="1" i="1" smtClean="0">
                             <a:latin typeface="Cambria Math" panose="02040503050406030204" pitchFamily="18" charset="0"/>
                           </a:rPr>
                         </m:ctrlPr>
@@ -7407,7 +7397,7 @@
                           <m:rPr>
                             <m:nor/>
                           </m:rPr>
-                          <a:rPr lang="de-AT" sz="2600" b="1" i="0" smtClean="0">
+                          <a:rPr lang="de-AT" sz="2000" b="1" i="0" smtClean="0">
                             <a:latin typeface="Cambria Math" panose="02040503050406030204" pitchFamily="18" charset="0"/>
                           </a:rPr>
                           <m:t>y</m:t>
@@ -7415,7 +7405,7 @@
                       </m:e>
                       <m:sub>
                         <m:r>
-                          <a:rPr lang="en-CA" sz="2600" b="1" i="1">
+                          <a:rPr lang="en-CA" sz="2000" b="1" i="1">
                             <a:latin typeface="Cambria Math" panose="02040503050406030204" pitchFamily="18" charset="0"/>
                           </a:rPr>
                           <m:t>𝒊</m:t>
@@ -7426,11 +7416,11 @@
                       <m:rPr>
                         <m:nor/>
                       </m:rPr>
-                      <a:rPr lang="en-CA" sz="2600" b="1"/>
+                      <a:rPr lang="en-CA" sz="2000" b="1"/>
                       <m:t> = </m:t>
                     </m:r>
                     <m:r>
-                      <a:rPr lang="en-CA" sz="2600" b="1" i="1">
+                      <a:rPr lang="en-CA" sz="2000" b="1" i="1">
                         <a:latin typeface="Cambria Math" panose="02040503050406030204" pitchFamily="18" charset="0"/>
                         <a:ea typeface="Cambria Math" panose="02040503050406030204" pitchFamily="18" charset="0"/>
                       </a:rPr>
@@ -7440,21 +7430,21 @@
                       <m:rPr>
                         <m:nor/>
                       </m:rPr>
-                      <a:rPr lang="en-CA" sz="2600" b="1">
+                      <a:rPr lang="en-CA" sz="2000" b="1">
                         <a:latin typeface="Cambria Math" panose="02040503050406030204" pitchFamily="18" charset="0"/>
                         <a:ea typeface="Cambria Math" panose="02040503050406030204" pitchFamily="18" charset="0"/>
                       </a:rPr>
                       <m:t> + </m:t>
                     </m:r>
                     <m:r>
-                      <a:rPr lang="en-CA" sz="2600" b="1" i="1">
+                      <a:rPr lang="en-CA" sz="2000" b="1" i="1">
                         <a:latin typeface="Cambria Math" panose="02040503050406030204" pitchFamily="18" charset="0"/>
                         <a:ea typeface="Cambria Math" panose="02040503050406030204" pitchFamily="18" charset="0"/>
                       </a:rPr>
                       <m:t>𝜷</m:t>
                     </m:r>
                     <m:r>
-                      <a:rPr lang="en-CA" sz="2600" b="1" i="1">
+                      <a:rPr lang="en-CA" sz="2000" b="1" i="1">
                         <a:latin typeface="Cambria Math" panose="02040503050406030204" pitchFamily="18" charset="0"/>
                         <a:ea typeface="Cambria Math" panose="02040503050406030204" pitchFamily="18" charset="0"/>
                       </a:rPr>
@@ -7463,7 +7453,7 @@
                     <m:sSub>
                       <m:sSubPr>
                         <m:ctrlPr>
-                          <a:rPr lang="en-CA" sz="2600" b="1" i="1">
+                          <a:rPr lang="en-CA" sz="2000" b="1" i="1">
                             <a:latin typeface="Cambria Math" panose="02040503050406030204" pitchFamily="18" charset="0"/>
                             <a:ea typeface="Cambria Math" panose="02040503050406030204" pitchFamily="18" charset="0"/>
                           </a:rPr>
@@ -7471,7 +7461,7 @@
                       </m:sSubPr>
                       <m:e>
                         <m:r>
-                          <a:rPr lang="de-AT" sz="2600" b="1" i="0" smtClean="0">
+                          <a:rPr lang="de-AT" sz="2000" b="1" i="0" smtClean="0">
                             <a:latin typeface="Cambria Math" panose="02040503050406030204" pitchFamily="18" charset="0"/>
                             <a:ea typeface="Cambria Math" panose="02040503050406030204" pitchFamily="18" charset="0"/>
                           </a:rPr>
@@ -7480,7 +7470,7 @@
                       </m:e>
                       <m:sub>
                         <m:r>
-                          <a:rPr lang="en-CA" sz="2600" b="1" i="1">
+                          <a:rPr lang="en-CA" sz="2000" b="1" i="1">
                             <a:latin typeface="Cambria Math" panose="02040503050406030204" pitchFamily="18" charset="0"/>
                             <a:ea typeface="Cambria Math" panose="02040503050406030204" pitchFamily="18" charset="0"/>
                           </a:rPr>
@@ -7492,13 +7482,13 @@
                       <m:rPr>
                         <m:nor/>
                       </m:rPr>
-                      <a:rPr lang="el-GR" sz="2600" b="1"/>
+                      <a:rPr lang="el-GR" sz="2000" b="1"/>
                       <m:t> + </m:t>
                     </m:r>
                     <m:sSub>
                       <m:sSubPr>
                         <m:ctrlPr>
-                          <a:rPr lang="el-GR" sz="2600" b="1" i="1">
+                          <a:rPr lang="el-GR" sz="2000" b="1" i="1">
                             <a:latin typeface="Cambria Math" panose="02040503050406030204" pitchFamily="18" charset="0"/>
                           </a:rPr>
                         </m:ctrlPr>
@@ -7508,13 +7498,13 @@
                           <m:rPr>
                             <m:nor/>
                           </m:rPr>
-                          <a:rPr lang="el-GR" sz="2600" b="1"/>
+                          <a:rPr lang="el-GR" sz="2000" b="1"/>
                           <m:t>ε</m:t>
                         </m:r>
                       </m:e>
                       <m:sub>
                         <m:r>
-                          <a:rPr lang="en-CA" sz="2600" b="1" i="1">
+                          <a:rPr lang="en-CA" sz="2000" b="1" i="1">
                             <a:latin typeface="Cambria Math" panose="02040503050406030204" pitchFamily="18" charset="0"/>
                           </a:rPr>
                           <m:t>𝒊</m:t>
@@ -7523,57 +7513,57 @@
                     </m:sSub>
                   </m:oMath>
                 </a14:m>
-                <a:endParaRPr lang="en-GB" sz="2600" dirty="0" smtClean="0"/>
+                <a:endParaRPr lang="en-GB" sz="2000" dirty="0" smtClean="0"/>
               </a:p>
               <a:p>
                 <a:r>
-                  <a:rPr lang="de-AT" sz="2600" dirty="0" smtClean="0"/>
+                  <a:rPr lang="de-AT" sz="2000" dirty="0" smtClean="0"/>
                   <a:t>„</a:t>
                 </a:r>
                 <a:r>
-                  <a:rPr lang="de-AT" sz="2600" b="1" dirty="0" err="1" smtClean="0"/>
+                  <a:rPr lang="de-AT" sz="2000" b="1" dirty="0" err="1" smtClean="0"/>
                   <a:t>Estimate</a:t>
                 </a:r>
                 <a:r>
-                  <a:rPr lang="de-AT" sz="2600" dirty="0" smtClean="0"/>
+                  <a:rPr lang="de-AT" sz="2000" dirty="0" smtClean="0"/>
                   <a:t>“ = </a:t>
                 </a:r>
                 <a:r>
-                  <a:rPr lang="de-AT" sz="2600" dirty="0" err="1" smtClean="0"/>
+                  <a:rPr lang="de-AT" sz="2000" dirty="0" err="1" smtClean="0"/>
                   <a:t>estimate</a:t>
                 </a:r>
                 <a:r>
-                  <a:rPr lang="de-AT" sz="2600" dirty="0" smtClean="0"/>
+                  <a:rPr lang="de-AT" sz="2000" dirty="0" smtClean="0"/>
                   <a:t> </a:t>
                 </a:r>
                 <a:r>
-                  <a:rPr lang="de-AT" sz="2600" dirty="0" err="1" smtClean="0"/>
+                  <a:rPr lang="de-AT" sz="2000" dirty="0" err="1" smtClean="0"/>
                   <a:t>for</a:t>
                 </a:r>
                 <a:r>
-                  <a:rPr lang="de-AT" sz="2600" dirty="0" smtClean="0"/>
+                  <a:rPr lang="de-AT" sz="2000" dirty="0" smtClean="0"/>
                   <a:t> </a:t>
                 </a:r>
                 <a:r>
-                  <a:rPr lang="de-AT" sz="2600" dirty="0" err="1" smtClean="0"/>
+                  <a:rPr lang="de-AT" sz="2000" dirty="0" err="1" smtClean="0"/>
                   <a:t>the</a:t>
                 </a:r>
                 <a:r>
-                  <a:rPr lang="de-AT" sz="2600" dirty="0" smtClean="0"/>
+                  <a:rPr lang="de-AT" sz="2000" dirty="0" smtClean="0"/>
                   <a:t> </a:t>
                 </a:r>
                 <a:r>
-                  <a:rPr lang="de-AT" sz="2600" dirty="0" err="1" smtClean="0"/>
+                  <a:rPr lang="de-AT" sz="2000" dirty="0" err="1" smtClean="0"/>
                   <a:t>intercept</a:t>
                 </a:r>
                 <a:r>
-                  <a:rPr lang="de-AT" sz="2600" dirty="0" smtClean="0"/>
+                  <a:rPr lang="de-AT" sz="2000" dirty="0" smtClean="0"/>
                   <a:t> </a:t>
                 </a:r>
                 <a14:m>
                   <m:oMath xmlns:m="http://schemas.openxmlformats.org/officeDocument/2006/math">
                     <m:r>
-                      <a:rPr lang="en-CA" sz="2600" b="1" i="1">
+                      <a:rPr lang="en-CA" sz="2000" b="1" i="1">
                         <a:latin typeface="Cambria Math" panose="02040503050406030204" pitchFamily="18" charset="0"/>
                         <a:ea typeface="Cambria Math" panose="02040503050406030204" pitchFamily="18" charset="0"/>
                       </a:rPr>
@@ -7582,44 +7572,44 @@
                   </m:oMath>
                 </a14:m>
                 <a:r>
-                  <a:rPr lang="de-AT" sz="2600" b="1" dirty="0" smtClean="0"/>
+                  <a:rPr lang="de-AT" sz="2000" b="1" dirty="0" smtClean="0"/>
                   <a:t> </a:t>
                 </a:r>
                 <a:r>
-                  <a:rPr lang="de-AT" sz="2600" dirty="0" err="1" smtClean="0"/>
+                  <a:rPr lang="de-AT" sz="2000" dirty="0" err="1" smtClean="0"/>
                   <a:t>and</a:t>
                 </a:r>
                 <a:r>
-                  <a:rPr lang="de-AT" sz="2600" dirty="0" smtClean="0"/>
+                  <a:rPr lang="de-AT" sz="2000" dirty="0" smtClean="0"/>
                   <a:t> </a:t>
                 </a:r>
                 <a:r>
-                  <a:rPr lang="de-AT" sz="2600" dirty="0" err="1" smtClean="0"/>
+                  <a:rPr lang="de-AT" sz="2000" dirty="0" err="1" smtClean="0"/>
                   <a:t>the</a:t>
                 </a:r>
                 <a:r>
-                  <a:rPr lang="de-AT" sz="2600" dirty="0" smtClean="0"/>
+                  <a:rPr lang="de-AT" sz="2000" dirty="0" smtClean="0"/>
                   <a:t> </a:t>
                 </a:r>
                 <a:r>
-                  <a:rPr lang="de-AT" sz="2600" dirty="0" err="1" smtClean="0"/>
+                  <a:rPr lang="de-AT" sz="2000" dirty="0" err="1" smtClean="0"/>
                   <a:t>slope</a:t>
                 </a:r>
                 <a:r>
-                  <a:rPr lang="de-AT" sz="2600" dirty="0" smtClean="0"/>
+                  <a:rPr lang="de-AT" sz="2000" dirty="0" smtClean="0"/>
                   <a:t> </a:t>
                 </a:r>
                 <a14:m>
                   <m:oMath xmlns:m="http://schemas.openxmlformats.org/officeDocument/2006/math">
                     <m:r>
-                      <a:rPr lang="en-CA" sz="2600" b="1" i="1">
+                      <a:rPr lang="en-CA" sz="2000" b="1" i="1">
                         <a:latin typeface="Cambria Math" panose="02040503050406030204" pitchFamily="18" charset="0"/>
                         <a:ea typeface="Cambria Math" panose="02040503050406030204" pitchFamily="18" charset="0"/>
                       </a:rPr>
                       <m:t>𝜷</m:t>
                     </m:r>
                     <m:r>
-                      <a:rPr lang="en-CA" sz="2600" b="1" i="1">
+                      <a:rPr lang="en-CA" sz="2000" b="1" i="1">
                         <a:latin typeface="Cambria Math" panose="02040503050406030204" pitchFamily="18" charset="0"/>
                         <a:ea typeface="Cambria Math" panose="02040503050406030204" pitchFamily="18" charset="0"/>
                       </a:rPr>
@@ -7628,7 +7618,7 @@
                     <m:sSub>
                       <m:sSubPr>
                         <m:ctrlPr>
-                          <a:rPr lang="en-CA" sz="2600" b="1" i="1">
+                          <a:rPr lang="en-CA" sz="2000" b="1" i="1">
                             <a:latin typeface="Cambria Math" panose="02040503050406030204" pitchFamily="18" charset="0"/>
                             <a:ea typeface="Cambria Math" panose="02040503050406030204" pitchFamily="18" charset="0"/>
                           </a:rPr>
@@ -7636,7 +7626,7 @@
                       </m:sSubPr>
                       <m:e>
                         <m:r>
-                          <a:rPr lang="de-AT" sz="2600" b="1">
+                          <a:rPr lang="de-AT" sz="2000" b="1">
                             <a:latin typeface="Cambria Math" panose="02040503050406030204" pitchFamily="18" charset="0"/>
                             <a:ea typeface="Cambria Math" panose="02040503050406030204" pitchFamily="18" charset="0"/>
                           </a:rPr>
@@ -7645,7 +7635,7 @@
                       </m:e>
                       <m:sub>
                         <m:r>
-                          <a:rPr lang="en-CA" sz="2600" b="1" i="1">
+                          <a:rPr lang="en-CA" sz="2000" b="1" i="1">
                             <a:latin typeface="Cambria Math" panose="02040503050406030204" pitchFamily="18" charset="0"/>
                             <a:ea typeface="Cambria Math" panose="02040503050406030204" pitchFamily="18" charset="0"/>
                           </a:rPr>
@@ -7655,291 +7645,447 @@
                     </m:sSub>
                   </m:oMath>
                 </a14:m>
-                <a:endParaRPr lang="de-AT" sz="2600" dirty="0" smtClean="0"/>
+                <a:endParaRPr lang="de-AT" sz="2000" dirty="0" smtClean="0"/>
               </a:p>
               <a:p>
                 <a:r>
-                  <a:rPr lang="de-AT" sz="2600" dirty="0" smtClean="0"/>
+                  <a:rPr lang="de-AT" sz="2000" dirty="0" smtClean="0"/>
                   <a:t>„</a:t>
                 </a:r>
                 <a:r>
-                  <a:rPr lang="de-AT" sz="2600" b="1" dirty="0" err="1" smtClean="0"/>
+                  <a:rPr lang="de-AT" sz="2000" b="1" dirty="0" err="1" smtClean="0"/>
                   <a:t>Std.Error</a:t>
                 </a:r>
                 <a:r>
-                  <a:rPr lang="de-AT" sz="2600" dirty="0" smtClean="0"/>
+                  <a:rPr lang="de-AT" sz="2000" dirty="0" smtClean="0"/>
                   <a:t>“ = </a:t>
                 </a:r>
                 <a:r>
-                  <a:rPr lang="de-AT" sz="2600" dirty="0" err="1" smtClean="0"/>
+                  <a:rPr lang="de-AT" sz="2000" dirty="0" err="1" smtClean="0"/>
                   <a:t>estimated</a:t>
                 </a:r>
                 <a:r>
-                  <a:rPr lang="de-AT" sz="2600" dirty="0" smtClean="0"/>
+                  <a:rPr lang="de-AT" sz="2000" dirty="0" smtClean="0"/>
                   <a:t> </a:t>
                 </a:r>
                 <a:r>
-                  <a:rPr lang="de-AT" sz="2600" dirty="0" err="1" smtClean="0"/>
+                  <a:rPr lang="de-AT" sz="2000" dirty="0" err="1" smtClean="0"/>
                   <a:t>standard</a:t>
                 </a:r>
                 <a:r>
-                  <a:rPr lang="de-AT" sz="2600" dirty="0" smtClean="0"/>
+                  <a:rPr lang="de-AT" sz="2000" dirty="0" smtClean="0"/>
                   <a:t> </a:t>
                 </a:r>
                 <a:r>
-                  <a:rPr lang="de-AT" sz="2600" dirty="0" err="1" smtClean="0"/>
+                  <a:rPr lang="de-AT" sz="2000" dirty="0" err="1" smtClean="0"/>
                   <a:t>errors</a:t>
                 </a:r>
                 <a:r>
-                  <a:rPr lang="de-AT" sz="2600" dirty="0" smtClean="0"/>
+                  <a:rPr lang="de-AT" sz="2000" dirty="0" smtClean="0"/>
                   <a:t> </a:t>
                 </a:r>
                 <a:r>
-                  <a:rPr lang="de-AT" sz="2600" dirty="0" err="1" smtClean="0"/>
+                  <a:rPr lang="de-AT" sz="2000" dirty="0" err="1" smtClean="0"/>
                   <a:t>of</a:t>
                 </a:r>
                 <a:r>
-                  <a:rPr lang="de-AT" sz="2600" dirty="0" smtClean="0"/>
+                  <a:rPr lang="de-AT" sz="2000" dirty="0" smtClean="0"/>
                   <a:t> </a:t>
                 </a:r>
                 <a:r>
-                  <a:rPr lang="de-AT" sz="2600" dirty="0" err="1" smtClean="0"/>
+                  <a:rPr lang="de-AT" sz="2000" dirty="0" err="1" smtClean="0"/>
                   <a:t>the</a:t>
                 </a:r>
                 <a:r>
-                  <a:rPr lang="de-AT" sz="2600" dirty="0" smtClean="0"/>
+                  <a:rPr lang="de-AT" sz="2000" dirty="0" smtClean="0"/>
                   <a:t> </a:t>
                 </a:r>
                 <a:r>
-                  <a:rPr lang="de-AT" sz="2600" dirty="0" err="1" smtClean="0"/>
+                  <a:rPr lang="de-AT" sz="2000" dirty="0" err="1" smtClean="0"/>
                   <a:t>estimates</a:t>
                 </a:r>
-                <a:endParaRPr lang="de-AT" sz="2600" dirty="0" smtClean="0"/>
+                <a:endParaRPr lang="de-AT" sz="2000" dirty="0" smtClean="0"/>
               </a:p>
               <a:p>
                 <a:r>
-                  <a:rPr lang="de-AT" sz="2600" dirty="0" smtClean="0"/>
+                  <a:rPr lang="de-AT" sz="2000" dirty="0" smtClean="0"/>
                   <a:t>The last </a:t>
                 </a:r>
                 <a:r>
-                  <a:rPr lang="de-AT" sz="2600" dirty="0" err="1" smtClean="0"/>
+                  <a:rPr lang="de-AT" sz="2000" dirty="0" err="1" smtClean="0"/>
                   <a:t>two</a:t>
                 </a:r>
                 <a:r>
-                  <a:rPr lang="de-AT" sz="2600" dirty="0" smtClean="0"/>
+                  <a:rPr lang="de-AT" sz="2000" dirty="0" smtClean="0"/>
                   <a:t> </a:t>
                 </a:r>
                 <a:r>
-                  <a:rPr lang="de-AT" sz="2600" dirty="0" err="1" smtClean="0"/>
+                  <a:rPr lang="de-AT" sz="2000" dirty="0" err="1" smtClean="0"/>
                   <a:t>columns</a:t>
                 </a:r>
                 <a:r>
-                  <a:rPr lang="de-AT" sz="2600" dirty="0" smtClean="0"/>
+                  <a:rPr lang="de-AT" sz="2000" dirty="0" smtClean="0"/>
                   <a:t> </a:t>
                 </a:r>
                 <a:r>
-                  <a:rPr lang="de-AT" sz="2600" dirty="0" err="1" smtClean="0"/>
+                  <a:rPr lang="de-AT" sz="2000" dirty="0" err="1" smtClean="0"/>
                   <a:t>contain</a:t>
                 </a:r>
                 <a:r>
-                  <a:rPr lang="de-AT" sz="2600" dirty="0" smtClean="0"/>
+                  <a:rPr lang="de-AT" sz="2000" dirty="0" smtClean="0"/>
                   <a:t> </a:t>
                 </a:r>
                 <a:r>
-                  <a:rPr lang="de-AT" sz="2600" b="1" dirty="0" smtClean="0"/>
+                  <a:rPr lang="de-AT" sz="2000" b="1" dirty="0" smtClean="0"/>
                   <a:t>t</a:t>
                 </a:r>
                 <a:r>
-                  <a:rPr lang="de-AT" sz="2600" dirty="0" smtClean="0"/>
+                  <a:rPr lang="de-AT" sz="2000" dirty="0" smtClean="0"/>
                   <a:t> </a:t>
                 </a:r>
                 <a:r>
-                  <a:rPr lang="de-AT" sz="2600" dirty="0" err="1" smtClean="0"/>
+                  <a:rPr lang="de-AT" sz="2000" dirty="0" err="1" smtClean="0"/>
                   <a:t>and</a:t>
                 </a:r>
                 <a:r>
-                  <a:rPr lang="de-AT" sz="2600" dirty="0" smtClean="0"/>
+                  <a:rPr lang="de-AT" sz="2000" dirty="0" smtClean="0"/>
                   <a:t> </a:t>
                 </a:r>
                 <a:r>
-                  <a:rPr lang="de-AT" sz="2600" b="1" dirty="0" smtClean="0"/>
+                  <a:rPr lang="de-AT" sz="2000" b="1" dirty="0" smtClean="0"/>
                   <a:t>p-</a:t>
                 </a:r>
                 <a:r>
-                  <a:rPr lang="de-AT" sz="2600" b="1" dirty="0" err="1" smtClean="0"/>
+                  <a:rPr lang="de-AT" sz="2000" b="1" dirty="0" err="1" smtClean="0"/>
                   <a:t>value</a:t>
                 </a:r>
                 <a:r>
-                  <a:rPr lang="de-AT" sz="2600" dirty="0" smtClean="0"/>
+                  <a:rPr lang="de-AT" sz="2000" dirty="0" smtClean="0"/>
                   <a:t> </a:t>
                 </a:r>
                 <a:r>
-                  <a:rPr lang="de-AT" sz="2600" dirty="0" err="1" smtClean="0"/>
+                  <a:rPr lang="de-AT" sz="2000" dirty="0" err="1" smtClean="0"/>
                   <a:t>for</a:t>
                 </a:r>
                 <a:r>
-                  <a:rPr lang="de-AT" sz="2600" dirty="0" smtClean="0"/>
+                  <a:rPr lang="de-AT" sz="2000" dirty="0" smtClean="0"/>
                   <a:t> </a:t>
                 </a:r>
                 <a:r>
-                  <a:rPr lang="de-AT" sz="2600" dirty="0" err="1" smtClean="0"/>
+                  <a:rPr lang="de-AT" sz="2000" dirty="0" err="1" smtClean="0"/>
                   <a:t>the</a:t>
                 </a:r>
                 <a:r>
-                  <a:rPr lang="de-AT" sz="2600" dirty="0" smtClean="0"/>
+                  <a:rPr lang="de-AT" sz="2000" dirty="0" smtClean="0"/>
                   <a:t> </a:t>
                 </a:r>
                 <a:r>
-                  <a:rPr lang="de-AT" sz="2600" dirty="0" err="1" smtClean="0"/>
+                  <a:rPr lang="de-AT" sz="2000" dirty="0" err="1" smtClean="0"/>
                   <a:t>classical</a:t>
                 </a:r>
                 <a:r>
-                  <a:rPr lang="de-AT" sz="2600" dirty="0" smtClean="0"/>
+                  <a:rPr lang="de-AT" sz="2000" dirty="0" smtClean="0"/>
                   <a:t> t-test </a:t>
                 </a:r>
                 <a:r>
-                  <a:rPr lang="de-AT" sz="2600" dirty="0" err="1" smtClean="0"/>
+                  <a:rPr lang="de-AT" sz="2000" dirty="0" err="1" smtClean="0"/>
                   <a:t>for</a:t>
                 </a:r>
                 <a:r>
-                  <a:rPr lang="de-AT" sz="2600" dirty="0" smtClean="0"/>
+                  <a:rPr lang="de-AT" sz="2000" dirty="0" smtClean="0"/>
                   <a:t> </a:t>
                 </a:r>
                 <a:r>
-                  <a:rPr lang="de-AT" sz="2600" dirty="0" err="1" smtClean="0"/>
+                  <a:rPr lang="de-AT" sz="2000" dirty="0" err="1" smtClean="0"/>
                   <a:t>the</a:t>
                 </a:r>
                 <a:r>
-                  <a:rPr lang="de-AT" sz="2600" dirty="0" smtClean="0"/>
+                  <a:rPr lang="de-AT" sz="2000" dirty="0" smtClean="0"/>
                   <a:t> null </a:t>
                 </a:r>
                 <a:r>
-                  <a:rPr lang="de-AT" sz="2600" dirty="0" err="1" smtClean="0"/>
+                  <a:rPr lang="de-AT" sz="2000" dirty="0" err="1" smtClean="0"/>
                   <a:t>hypothesis</a:t>
                 </a:r>
                 <a:r>
-                  <a:rPr lang="de-AT" sz="2600" dirty="0" smtClean="0"/>
+                  <a:rPr lang="de-AT" sz="2000" dirty="0" smtClean="0"/>
                   <a:t> </a:t>
                 </a:r>
                 <a:r>
-                  <a:rPr lang="de-AT" sz="2600" dirty="0" err="1" smtClean="0"/>
+                  <a:rPr lang="de-AT" sz="2000" dirty="0" err="1" smtClean="0"/>
                   <a:t>that</a:t>
                 </a:r>
                 <a:r>
-                  <a:rPr lang="de-AT" sz="2600" dirty="0" smtClean="0"/>
+                  <a:rPr lang="de-AT" sz="2000" dirty="0" smtClean="0"/>
                   <a:t> </a:t>
                 </a:r>
                 <a:r>
-                  <a:rPr lang="de-AT" sz="2600" dirty="0" err="1" smtClean="0"/>
+                  <a:rPr lang="de-AT" sz="2000" dirty="0" err="1" smtClean="0"/>
                   <a:t>the</a:t>
                 </a:r>
                 <a:r>
-                  <a:rPr lang="de-AT" sz="2600" dirty="0" smtClean="0"/>
+                  <a:rPr lang="de-AT" sz="2000" dirty="0" smtClean="0"/>
                   <a:t> </a:t>
                 </a:r>
                 <a:r>
-                  <a:rPr lang="de-AT" sz="2600" dirty="0" err="1" smtClean="0"/>
+                  <a:rPr lang="de-AT" sz="2000" dirty="0" err="1" smtClean="0"/>
                   <a:t>estimate</a:t>
                 </a:r>
                 <a:r>
-                  <a:rPr lang="de-AT" sz="2600" dirty="0" smtClean="0"/>
+                  <a:rPr lang="de-AT" sz="2000" dirty="0" smtClean="0"/>
                   <a:t> </a:t>
                 </a:r>
                 <a:r>
-                  <a:rPr lang="de-AT" sz="2600" dirty="0" err="1" smtClean="0"/>
+                  <a:rPr lang="de-AT" sz="2000" dirty="0" err="1" smtClean="0"/>
                   <a:t>equals</a:t>
                 </a:r>
                 <a:r>
-                  <a:rPr lang="de-AT" sz="2600" dirty="0" smtClean="0"/>
+                  <a:rPr lang="de-AT" sz="2000" dirty="0" smtClean="0"/>
                   <a:t> </a:t>
                 </a:r>
                 <a:r>
-                  <a:rPr lang="de-AT" sz="2600" dirty="0" err="1" smtClean="0"/>
+                  <a:rPr lang="de-AT" sz="2000" dirty="0" err="1" smtClean="0"/>
                   <a:t>zero</a:t>
                 </a:r>
                 <a:r>
-                  <a:rPr lang="de-AT" sz="2600" dirty="0" smtClean="0"/>
+                  <a:rPr lang="de-AT" sz="2000" dirty="0" smtClean="0"/>
                   <a:t>. </a:t>
                 </a:r>
-              </a:p>
-              <a:p>
-                <a:endParaRPr lang="de-AT" sz="2400" dirty="0" smtClean="0"/>
               </a:p>
               <a:p>
                 <a:pPr marL="0" indent="0">
                   <a:buNone/>
                 </a:pPr>
                 <a:r>
-                  <a:rPr lang="de-AT" sz="2400" dirty="0" err="1" smtClean="0"/>
+                  <a:rPr lang="de-AT" sz="2000" dirty="0" err="1" smtClean="0"/>
                   <a:t>Here</a:t>
                 </a:r>
                 <a:r>
-                  <a:rPr lang="de-AT" sz="2400" dirty="0" smtClean="0"/>
+                  <a:rPr lang="de-AT" sz="2000" dirty="0" smtClean="0"/>
                   <a:t>: </a:t>
                 </a:r>
                 <a:r>
-                  <a:rPr lang="en-GB" sz="2400" dirty="0"/>
-                  <a:t>it takes an average car in our dataset </a:t>
-                </a:r>
-                <a:r>
-                  <a:rPr lang="en-GB" sz="2400" b="1" dirty="0"/>
-                  <a:t>42.98</a:t>
-                </a:r>
-                <a:r>
-                  <a:rPr lang="en-GB" sz="2400" dirty="0"/>
+                  <a:rPr lang="de-AT" sz="2000" dirty="0" smtClean="0"/>
+                  <a:t>The </a:t>
+                </a:r>
+                <a:r>
+                  <a:rPr lang="de-AT" sz="2000" dirty="0" err="1" smtClean="0"/>
+                  <a:t>Intercept</a:t>
+                </a:r>
+                <a:r>
+                  <a:rPr lang="de-AT" sz="2000" dirty="0" smtClean="0"/>
                   <a:t> </a:t>
                 </a:r>
                 <a:r>
-                  <a:rPr lang="en-GB" sz="2400" dirty="0" smtClean="0"/>
-                  <a:t>feet </a:t>
-                </a:r>
-                <a:r>
-                  <a:rPr lang="en-GB" sz="2400" dirty="0"/>
-                  <a:t>to come to a stop.</a:t>
-                </a:r>
-                <a:br>
-                  <a:rPr lang="en-GB" sz="2400" dirty="0"/>
-                </a:br>
-                <a:r>
-                  <a:rPr lang="en-GB" sz="2400" dirty="0" smtClean="0"/>
-                  <a:t>With a 1 </a:t>
-                </a:r>
-                <a:r>
-                  <a:rPr lang="en-GB" sz="2400" dirty="0"/>
+                  <a:rPr lang="de-AT" sz="2000" dirty="0" err="1" smtClean="0"/>
+                  <a:t>is</a:t>
+                </a:r>
+                <a:r>
+                  <a:rPr lang="de-AT" sz="2000" dirty="0"/>
+                  <a:t> </a:t>
+                </a:r>
+                <a:r>
+                  <a:rPr lang="de-AT" sz="2000" dirty="0" err="1"/>
+                  <a:t>physically</a:t>
+                </a:r>
+                <a:r>
+                  <a:rPr lang="de-AT" sz="2000" dirty="0"/>
+                  <a:t> </a:t>
+                </a:r>
+                <a:r>
+                  <a:rPr lang="de-AT" sz="2000" dirty="0" err="1" smtClean="0"/>
+                  <a:t>nonsense</a:t>
+                </a:r>
+                <a:r>
+                  <a:rPr lang="de-AT" sz="2000" dirty="0" smtClean="0"/>
+                  <a:t>; </a:t>
+                </a:r>
+                <a:r>
+                  <a:rPr lang="de-AT" sz="2000" dirty="0" err="1" smtClean="0"/>
+                  <a:t>it</a:t>
+                </a:r>
+                <a:r>
+                  <a:rPr lang="de-AT" sz="2000" dirty="0" smtClean="0"/>
+                  <a:t> </a:t>
+                </a:r>
+                <a:r>
+                  <a:rPr lang="de-AT" sz="2000" dirty="0" err="1"/>
+                  <a:t>refers</a:t>
+                </a:r>
+                <a:r>
+                  <a:rPr lang="de-AT" sz="2000" dirty="0"/>
+                  <a:t> </a:t>
+                </a:r>
+                <a:r>
+                  <a:rPr lang="de-AT" sz="2000" dirty="0" err="1" smtClean="0"/>
+                  <a:t>to</a:t>
+                </a:r>
+                <a:r>
+                  <a:rPr lang="de-AT" sz="2000" dirty="0" smtClean="0"/>
+                  <a:t> a </a:t>
+                </a:r>
+                <a:r>
+                  <a:rPr lang="de-AT" sz="2000" dirty="0" err="1" smtClean="0"/>
+                  <a:t>stopping</a:t>
+                </a:r>
+                <a:r>
+                  <a:rPr lang="de-AT" sz="2000" dirty="0" smtClean="0"/>
+                  <a:t> </a:t>
+                </a:r>
+                <a:r>
+                  <a:rPr lang="de-AT" sz="2000" dirty="0" err="1" smtClean="0"/>
+                  <a:t>distance</a:t>
+                </a:r>
+                <a:r>
+                  <a:rPr lang="de-AT" sz="2000" dirty="0" smtClean="0"/>
+                  <a:t> </a:t>
+                </a:r>
+                <a:r>
+                  <a:rPr lang="de-AT" sz="2000" dirty="0" err="1" smtClean="0"/>
+                  <a:t>of</a:t>
+                </a:r>
+                <a:r>
+                  <a:rPr lang="de-AT" sz="2000" dirty="0" smtClean="0"/>
+                  <a:t> -17.6 </a:t>
+                </a:r>
+                <a:r>
+                  <a:rPr lang="de-AT" sz="2000" dirty="0" err="1" smtClean="0"/>
+                  <a:t>feet</a:t>
+                </a:r>
+                <a:r>
+                  <a:rPr lang="de-AT" sz="2000" dirty="0" smtClean="0"/>
+                  <a:t> at a </a:t>
+                </a:r>
+                <a:r>
+                  <a:rPr lang="de-AT" sz="2000" dirty="0" err="1" smtClean="0"/>
+                  <a:t>speed</a:t>
+                </a:r>
+                <a:r>
+                  <a:rPr lang="de-AT" sz="2000" dirty="0" smtClean="0"/>
+                  <a:t> </a:t>
+                </a:r>
+                <a:r>
+                  <a:rPr lang="de-AT" sz="2000" dirty="0" err="1" smtClean="0"/>
+                  <a:t>of</a:t>
+                </a:r>
+                <a:r>
+                  <a:rPr lang="de-AT" sz="2000" dirty="0" smtClean="0"/>
+                  <a:t> </a:t>
+                </a:r>
+                <a:r>
+                  <a:rPr lang="de-AT" sz="2000" dirty="0" err="1" smtClean="0"/>
+                  <a:t>zero</a:t>
+                </a:r>
+                <a:r>
+                  <a:rPr lang="de-AT" sz="2000" dirty="0" smtClean="0"/>
+                  <a:t>. </a:t>
+                </a:r>
+                <a:r>
+                  <a:rPr lang="en-GB" sz="2000" dirty="0"/>
+                  <a:t>This illustrates that a linear model </a:t>
+                </a:r>
+                <a:r>
+                  <a:rPr lang="en-GB" sz="2000" dirty="0" smtClean="0"/>
+                  <a:t>has often only a useful </a:t>
+                </a:r>
+                <a:r>
+                  <a:rPr lang="en-GB" sz="2000" dirty="0"/>
+                  <a:t>characterization of a </a:t>
+                </a:r>
+                <a:r>
+                  <a:rPr lang="en-GB" sz="2000" dirty="0" smtClean="0"/>
+                  <a:t>relationship </a:t>
+                </a:r>
+                <a:r>
+                  <a:rPr lang="en-GB" sz="2000" dirty="0"/>
+                  <a:t>over a restricted range </a:t>
+                </a:r>
+                <a:r>
+                  <a:rPr lang="en-GB" sz="2000" dirty="0" smtClean="0"/>
+                  <a:t>of the </a:t>
+                </a:r>
+                <a:r>
+                  <a:rPr lang="en-GB" sz="2000" dirty="0"/>
+                  <a:t>explanatory variables. </a:t>
+                </a:r>
+                <a:r>
+                  <a:rPr lang="de-AT" sz="2000" dirty="0" err="1" smtClean="0"/>
+                  <a:t>Hereby</a:t>
+                </a:r>
+                <a:r>
+                  <a:rPr lang="de-AT" sz="2000" dirty="0"/>
+                  <a:t> </a:t>
+                </a:r>
+                <a:r>
+                  <a:rPr lang="de-AT" sz="2000" dirty="0" err="1" smtClean="0"/>
+                  <a:t>important</a:t>
+                </a:r>
+                <a:r>
+                  <a:rPr lang="de-AT" sz="2000" dirty="0" smtClean="0"/>
+                  <a:t> </a:t>
+                </a:r>
+                <a:r>
+                  <a:rPr lang="de-AT" sz="2000" dirty="0" err="1" smtClean="0"/>
+                  <a:t>is</a:t>
+                </a:r>
+                <a:r>
+                  <a:rPr lang="de-AT" sz="2000" dirty="0" smtClean="0"/>
+                  <a:t> </a:t>
+                </a:r>
+                <a:r>
+                  <a:rPr lang="de-AT" sz="2000" dirty="0" err="1" smtClean="0"/>
+                  <a:t>the</a:t>
+                </a:r>
+                <a:r>
+                  <a:rPr lang="de-AT" sz="2000" dirty="0" smtClean="0"/>
+                  <a:t> </a:t>
+                </a:r>
+                <a:r>
+                  <a:rPr lang="de-AT" sz="2000" dirty="0" err="1" smtClean="0"/>
+                  <a:t>slope</a:t>
+                </a:r>
+                <a:r>
+                  <a:rPr lang="de-AT" sz="2000" dirty="0" smtClean="0"/>
+                  <a:t>: </a:t>
+                </a:r>
+                <a:r>
+                  <a:rPr lang="en-GB" sz="2000" dirty="0" smtClean="0"/>
+                  <a:t>With </a:t>
+                </a:r>
+                <a:r>
+                  <a:rPr lang="en-GB" sz="2000" dirty="0" smtClean="0"/>
+                  <a:t>a 1 </a:t>
+                </a:r>
+                <a:r>
+                  <a:rPr lang="en-GB" sz="2000" dirty="0"/>
                   <a:t>mph increase in the speed of a car, the required distance to stop goes up by </a:t>
                 </a:r>
                 <a:r>
-                  <a:rPr lang="en-GB" sz="2400" b="1" dirty="0" smtClean="0"/>
+                  <a:rPr lang="en-GB" sz="2000" b="1" dirty="0" smtClean="0"/>
                   <a:t>3.9324</a:t>
                 </a:r>
                 <a:r>
-                  <a:rPr lang="en-GB" sz="2400" dirty="0" smtClean="0"/>
+                  <a:rPr lang="en-GB" sz="2000" dirty="0" smtClean="0"/>
                   <a:t> feet, which can </a:t>
                 </a:r>
                 <a:r>
-                  <a:rPr lang="en-GB" sz="2400" dirty="0"/>
+                  <a:rPr lang="en-GB" sz="2000" dirty="0"/>
                   <a:t>vary by </a:t>
                 </a:r>
                 <a:r>
-                  <a:rPr lang="en-GB" sz="2400" b="1" dirty="0"/>
+                  <a:rPr lang="en-GB" sz="2000" b="1" dirty="0"/>
                   <a:t>0.4155128</a:t>
                 </a:r>
                 <a:r>
-                  <a:rPr lang="en-GB" sz="2400" dirty="0"/>
+                  <a:rPr lang="en-GB" sz="2000" dirty="0"/>
                   <a:t> feet. </a:t>
                 </a:r>
-                <a:endParaRPr lang="de-AT" sz="2400" dirty="0"/>
-              </a:p>
-              <a:p>
-                <a:pPr marL="0" indent="0">
-                  <a:buNone/>
-                </a:pPr>
-                <a:endParaRPr lang="de-AT" sz="2400" dirty="0" smtClean="0"/>
+                <a:endParaRPr lang="de-AT" sz="2000" dirty="0"/>
               </a:p>
             </p:txBody>
           </p:sp>
         </mc:Choice>
-        <mc:Fallback xmlns="">
+        <mc:Fallback>
           <p:sp>
             <p:nvSpPr>
               <p:cNvPr id="4" name="Content Placeholder 2"/>
@@ -7952,13 +8098,13 @@
             </p:nvSpPr>
             <p:spPr>
               <a:xfrm>
-                <a:off x="457200" y="3064097"/>
-                <a:ext cx="8229600" cy="3062065"/>
+                <a:off x="457200" y="2852936"/>
+                <a:ext cx="8229600" cy="3744416"/>
               </a:xfrm>
               <a:blipFill rotWithShape="0">
-                <a:blip r:embed="rId3"/>
+                <a:blip r:embed="rId2"/>
                 <a:stretch>
-                  <a:fillRect l="-815" t="-996" b="-3386"/>
+                  <a:fillRect l="-741" r="-1407" b="-1466"/>
                 </a:stretch>
               </a:blipFill>
             </p:spPr>
@@ -7979,21 +8125,21 @@
       </mc:AlternateContent>
       <p:pic>
         <p:nvPicPr>
-          <p:cNvPr id="6" name="Picture 5"/>
+          <p:cNvPr id="5" name="Picture 4"/>
           <p:cNvPicPr>
             <a:picLocks noChangeAspect="1"/>
           </p:cNvPicPr>
           <p:nvPr/>
         </p:nvPicPr>
         <p:blipFill rotWithShape="1">
-          <a:blip r:embed="rId4"/>
-          <a:srcRect t="42470" b="23228"/>
+          <a:blip r:embed="rId3"/>
+          <a:srcRect t="46954" b="20208"/>
           <a:stretch/>
         </p:blipFill>
         <p:spPr>
           <a:xfrm>
-            <a:off x="971600" y="1484784"/>
-            <a:ext cx="7357491" cy="1512168"/>
+            <a:off x="755576" y="1196752"/>
+            <a:ext cx="7488832" cy="1584176"/>
           </a:xfrm>
           <a:prstGeom prst="rect">
             <a:avLst/>
@@ -8305,7 +8451,7 @@
           <p:cNvPr id="2" name="Title 1">
             <a:extLst>
               <a:ext uri="{FF2B5EF4-FFF2-40B4-BE49-F238E27FC236}">
-                <a16:creationId xmlns:a16="http://schemas.microsoft.com/office/drawing/2014/main" xmlns="" id="{EDDE273D-90E2-47F3-8613-1F70BBDC1086}"/>
+                <a16:creationId xmlns="" xmlns:a16="http://schemas.microsoft.com/office/drawing/2014/main" id="{EDDE273D-90E2-47F3-8613-1F70BBDC1086}"/>
               </a:ext>
             </a:extLst>
           </p:cNvPr>
@@ -8339,7 +8485,7 @@
               <p:cNvPr id="3" name="Content Placeholder 2">
                 <a:extLst>
                   <a:ext uri="{FF2B5EF4-FFF2-40B4-BE49-F238E27FC236}">
-                    <a16:creationId xmlns:a16="http://schemas.microsoft.com/office/drawing/2014/main" xmlns="" id="{460CDE3A-C773-49C0-80DE-48034E5EE1CD}"/>
+                    <a16:creationId xmlns="" xmlns:a16="http://schemas.microsoft.com/office/drawing/2014/main" id="{460CDE3A-C773-49C0-80DE-48034E5EE1CD}"/>
                   </a:ext>
                 </a:extLst>
               </p:cNvPr>
@@ -8846,6 +8992,13 @@
   <p:clrMapOvr>
     <a:masterClrMapping/>
   </p:clrMapOvr>
+  <p:timing>
+    <p:tnLst>
+      <p:par>
+        <p:cTn id="1" dur="indefinite" restart="never" nodeType="tmRoot"/>
+      </p:par>
+    </p:tnLst>
+  </p:timing>
 </p:sld>
 </file>
 
@@ -9187,11 +9340,7 @@
             </a:r>
             <a:r>
               <a:rPr lang="en-GB" sz="2400" smtClean="0"/>
-              <a:t>larger </a:t>
-            </a:r>
-            <a:r>
-              <a:rPr lang="en-GB" sz="2400" smtClean="0"/>
-              <a:t>than </a:t>
+              <a:t>larger than </a:t>
             </a:r>
             <a:r>
               <a:rPr lang="en-GB" sz="2400" dirty="0" smtClean="0"/>
@@ -9266,7 +9415,7 @@
           <p:cNvPr id="2" name="Title 1">
             <a:extLst>
               <a:ext uri="{FF2B5EF4-FFF2-40B4-BE49-F238E27FC236}">
-                <a16:creationId xmlns:a16="http://schemas.microsoft.com/office/drawing/2014/main" xmlns="" id="{EDDE273D-90E2-47F3-8613-1F70BBDC1086}"/>
+                <a16:creationId xmlns="" xmlns:a16="http://schemas.microsoft.com/office/drawing/2014/main" id="{EDDE273D-90E2-47F3-8613-1F70BBDC1086}"/>
               </a:ext>
             </a:extLst>
           </p:cNvPr>
@@ -9300,14 +9449,14 @@
           </a:p>
         </p:txBody>
       </p:sp>
-      <mc:AlternateContent xmlns:mc="http://schemas.openxmlformats.org/markup-compatibility/2006">
-        <mc:Choice xmlns:a14="http://schemas.microsoft.com/office/drawing/2010/main" Requires="a14">
+      <mc:AlternateContent xmlns:mc="http://schemas.openxmlformats.org/markup-compatibility/2006" xmlns:a14="http://schemas.microsoft.com/office/drawing/2010/main">
+        <mc:Choice Requires="a14">
           <p:sp>
             <p:nvSpPr>
               <p:cNvPr id="3" name="Content Placeholder 2">
                 <a:extLst>
                   <a:ext uri="{FF2B5EF4-FFF2-40B4-BE49-F238E27FC236}">
-                    <a16:creationId xmlns:a16="http://schemas.microsoft.com/office/drawing/2014/main" xmlns="" id="{460CDE3A-C773-49C0-80DE-48034E5EE1CD}"/>
+                    <a16:creationId xmlns="" xmlns:a16="http://schemas.microsoft.com/office/drawing/2014/main" id="{460CDE3A-C773-49C0-80DE-48034E5EE1CD}"/>
                   </a:ext>
                 </a:extLst>
               </p:cNvPr>
@@ -9781,7 +9930,7 @@
             </p:txBody>
           </p:sp>
         </mc:Choice>
-        <mc:Fallback>
+        <mc:Fallback xmlns="">
           <p:sp>
             <p:nvSpPr>
               <p:cNvPr id="3" name="Content Placeholder 2">
@@ -9835,6 +9984,13 @@
   <p:clrMapOvr>
     <a:masterClrMapping/>
   </p:clrMapOvr>
+  <p:timing>
+    <p:tnLst>
+      <p:par>
+        <p:cTn id="1" dur="indefinite" restart="never" nodeType="tmRoot"/>
+      </p:par>
+    </p:tnLst>
+  </p:timing>
 </p:sld>
 </file>
 
@@ -10126,7 +10282,6 @@
               <a:rPr lang="en-GB" sz="4400" dirty="0" smtClean="0"/>
               <a:t>met</a:t>
             </a:r>
-            <a:endParaRPr lang="en-GB" sz="4400" dirty="0" smtClean="0"/>
           </a:p>
         </p:txBody>
       </p:sp>
@@ -10168,8 +10323,8 @@
             </a:prstGeom>
           </p:spPr>
         </p:pic>
-        <mc:AlternateContent xmlns:mc="http://schemas.openxmlformats.org/markup-compatibility/2006">
-          <mc:Choice xmlns:a14="http://schemas.microsoft.com/office/drawing/2010/main" Requires="a14">
+        <mc:AlternateContent xmlns:mc="http://schemas.openxmlformats.org/markup-compatibility/2006" xmlns:a14="http://schemas.microsoft.com/office/drawing/2010/main">
+          <mc:Choice Requires="a14">
             <p:sp>
               <p:nvSpPr>
                 <p:cNvPr id="5" name="Rectangle 4"/>
@@ -10194,6 +10349,7 @@
                 </a:bodyPr>
                 <a:lstStyle/>
                 <a:p>
+                  <a:pPr/>
                   <a14:m>
                     <m:oMathPara xmlns:m="http://schemas.openxmlformats.org/officeDocument/2006/math">
                       <m:oMathParaPr>
@@ -10215,7 +10371,7 @@
               </p:txBody>
             </p:sp>
           </mc:Choice>
-          <mc:Fallback>
+          <mc:Fallback xmlns="">
             <p:sp>
               <p:nvSpPr>
                 <p:cNvPr id="5" name="Rectangle 4"/>
@@ -10265,6 +10421,13 @@
   <p:clrMapOvr>
     <a:masterClrMapping/>
   </p:clrMapOvr>
+  <p:timing>
+    <p:tnLst>
+      <p:par>
+        <p:cTn id="1" dur="indefinite" restart="never" nodeType="tmRoot"/>
+      </p:par>
+    </p:tnLst>
+  </p:timing>
 </p:sld>
 </file>
 
@@ -10435,11 +10598,7 @@
             </a:r>
             <a:r>
               <a:rPr lang="en-GB" sz="2400" dirty="0" smtClean="0"/>
-              <a:t>of the </a:t>
-            </a:r>
-            <a:r>
-              <a:rPr lang="en-GB" sz="2400" dirty="0" smtClean="0"/>
-              <a:t>residuals</a:t>
+              <a:t>of the residuals</a:t>
             </a:r>
           </a:p>
           <a:p>
